--- a/Aula CNN.pptx
+++ b/Aula CNN.pptx
@@ -338,7 +338,7 @@
               <a:pPr>
                 <a:defRPr/>
               </a:pPr>
-              <a:t>4/26/2025</a:t>
+              <a:t>4/27/2025</a:t>
             </a:fld>
             <a:endParaRPr lang="en-US" altLang="pt-BR"/>
           </a:p>
@@ -567,7 +567,7 @@
               <a:pPr>
                 <a:defRPr/>
               </a:pPr>
-              <a:t>4/26/2025</a:t>
+              <a:t>4/27/2025</a:t>
             </a:fld>
             <a:endParaRPr lang="en-US" altLang="pt-BR"/>
           </a:p>
@@ -1847,7 +1847,7 @@
               <a:pPr>
                 <a:defRPr/>
               </a:pPr>
-              <a:t>4/26/2025</a:t>
+              <a:t>4/27/2025</a:t>
             </a:fld>
             <a:endParaRPr lang="en-US" altLang="pt-BR"/>
           </a:p>
@@ -2069,7 +2069,7 @@
               <a:pPr>
                 <a:defRPr/>
               </a:pPr>
-              <a:t>4/26/2025</a:t>
+              <a:t>4/27/2025</a:t>
             </a:fld>
             <a:endParaRPr lang="en-US" altLang="pt-BR"/>
           </a:p>
@@ -2781,7 +2781,7 @@
               <a:pPr>
                 <a:defRPr/>
               </a:pPr>
-              <a:t>4/26/2025</a:t>
+              <a:t>4/27/2025</a:t>
             </a:fld>
             <a:endParaRPr lang="en-US" altLang="pt-BR"/>
           </a:p>
@@ -3075,7 +3075,7 @@
               <a:pPr>
                 <a:defRPr/>
               </a:pPr>
-              <a:t>4/26/2025</a:t>
+              <a:t>4/27/2025</a:t>
             </a:fld>
             <a:endParaRPr lang="en-US" altLang="pt-BR"/>
           </a:p>
@@ -3831,7 +3831,7 @@
               <a:pPr>
                 <a:defRPr/>
               </a:pPr>
-              <a:t>4/26/2025</a:t>
+              <a:t>4/27/2025</a:t>
             </a:fld>
             <a:endParaRPr lang="en-US" altLang="pt-BR"/>
           </a:p>
@@ -4107,7 +4107,7 @@
               <a:pPr>
                 <a:defRPr/>
               </a:pPr>
-              <a:t>4/26/2025</a:t>
+              <a:t>4/27/2025</a:t>
             </a:fld>
             <a:endParaRPr lang="en-US" altLang="pt-BR"/>
           </a:p>
@@ -4467,7 +4467,7 @@
               <a:pPr>
                 <a:defRPr/>
               </a:pPr>
-              <a:t>4/26/2025</a:t>
+              <a:t>4/27/2025</a:t>
             </a:fld>
             <a:endParaRPr lang="en-US" altLang="pt-BR"/>
           </a:p>
@@ -4624,7 +4624,7 @@
               <a:pPr>
                 <a:defRPr/>
               </a:pPr>
-              <a:t>4/26/2025</a:t>
+              <a:t>4/27/2025</a:t>
             </a:fld>
             <a:endParaRPr lang="en-US" altLang="pt-BR"/>
           </a:p>
@@ -4759,7 +4759,7 @@
               <a:pPr>
                 <a:defRPr/>
               </a:pPr>
-              <a:t>4/26/2025</a:t>
+              <a:t>4/27/2025</a:t>
             </a:fld>
             <a:endParaRPr lang="en-US" altLang="pt-BR"/>
           </a:p>
@@ -5065,7 +5065,7 @@
               <a:pPr>
                 <a:defRPr/>
               </a:pPr>
-              <a:t>4/26/2025</a:t>
+              <a:t>4/27/2025</a:t>
             </a:fld>
             <a:endParaRPr lang="en-US" altLang="pt-BR"/>
           </a:p>
@@ -6011,7 +6011,7 @@
               <a:pPr>
                 <a:defRPr/>
               </a:pPr>
-              <a:t>4/26/2025</a:t>
+              <a:t>4/27/2025</a:t>
             </a:fld>
             <a:endParaRPr lang="en-US" altLang="pt-BR"/>
           </a:p>
@@ -6337,7 +6337,7 @@
               <a:pPr>
                 <a:defRPr/>
               </a:pPr>
-              <a:t>4/26/2025</a:t>
+              <a:t>4/27/2025</a:t>
             </a:fld>
             <a:endParaRPr lang="en-US" altLang="pt-BR"/>
           </a:p>
@@ -22451,14 +22451,14 @@
           <p:nvPr>
             <p:extLst>
               <p:ext uri="{D42A27DB-BD31-4B8C-83A1-F6EECF244321}">
-                <p14:modId xmlns:p14="http://schemas.microsoft.com/office/powerpoint/2010/main" val="1786662761"/>
+                <p14:modId xmlns:p14="http://schemas.microsoft.com/office/powerpoint/2010/main" val="3811376283"/>
               </p:ext>
             </p:extLst>
           </p:nvPr>
         </p:nvGraphicFramePr>
         <p:xfrm>
           <a:off x="152400" y="3508325"/>
-          <a:ext cx="8839200" cy="2483616"/>
+          <a:ext cx="8839200" cy="2696976"/>
         </p:xfrm>
         <a:graphic>
           <a:graphicData uri="http://schemas.openxmlformats.org/drawingml/2006/table">
@@ -22899,7 +22899,7 @@
                     </a:lstStyle>
                     <a:p>
                       <a:r>
-                        <a:rPr kumimoji="0" lang="sv-SE" sz="1400" kern="1200" dirty="0">
+                        <a:rPr kumimoji="0" lang="sv-SE" sz="1600" kern="1200" dirty="0">
                           <a:solidFill>
                             <a:schemeClr val="tx1"/>
                           </a:solidFill>
@@ -22913,7 +22913,7 @@
                     </a:p>
                     <a:p>
                       <a:r>
-                        <a:rPr kumimoji="0" lang="sv-SE" sz="1400" kern="1200" dirty="0">
+                        <a:rPr kumimoji="0" lang="sv-SE" sz="1600" kern="1200" dirty="0">
                           <a:solidFill>
                             <a:schemeClr val="tx1"/>
                           </a:solidFill>
@@ -22927,7 +22927,7 @@
                     </a:p>
                     <a:p>
                       <a:r>
-                        <a:rPr kumimoji="0" lang="sv-SE" sz="1400" kern="1200" dirty="0">
+                        <a:rPr kumimoji="0" lang="sv-SE" sz="1600" kern="1200" dirty="0">
                           <a:solidFill>
                             <a:schemeClr val="tx1"/>
                           </a:solidFill>
@@ -22941,7 +22941,7 @@
                     </a:p>
                     <a:p>
                       <a:r>
-                        <a:rPr kumimoji="0" lang="sv-SE" sz="1400" kern="1200" dirty="0">
+                        <a:rPr kumimoji="0" lang="sv-SE" sz="1600" kern="1200" dirty="0">
                           <a:solidFill>
                             <a:schemeClr val="tx1"/>
                           </a:solidFill>
@@ -22955,7 +22955,7 @@
                     </a:p>
                     <a:p>
                       <a:r>
-                        <a:rPr kumimoji="0" lang="sv-SE" sz="1400" kern="1200" dirty="0">
+                        <a:rPr kumimoji="0" lang="sv-SE" sz="1600" kern="1200" dirty="0">
                           <a:solidFill>
                             <a:schemeClr val="tx1"/>
                           </a:solidFill>
@@ -22969,7 +22969,7 @@
                     </a:p>
                     <a:p>
                       <a:r>
-                        <a:rPr kumimoji="0" lang="sv-SE" sz="1400" kern="1200" dirty="0">
+                        <a:rPr kumimoji="0" lang="sv-SE" sz="1600" kern="1200" dirty="0">
                           <a:solidFill>
                             <a:schemeClr val="tx1"/>
                           </a:solidFill>
@@ -22983,7 +22983,7 @@
                     </a:p>
                     <a:p>
                       <a:r>
-                        <a:rPr kumimoji="0" lang="sv-SE" sz="1400" kern="1200" dirty="0">
+                        <a:rPr kumimoji="0" lang="sv-SE" sz="1600" kern="1200" dirty="0">
                           <a:solidFill>
                             <a:schemeClr val="tx1"/>
                           </a:solidFill>
@@ -23056,10 +23056,10 @@
       </p:graphicFrame>
       <p:pic>
         <p:nvPicPr>
-          <p:cNvPr id="9" name="Imagem 8">
+          <p:cNvPr id="7" name="Imagem 6">
             <a:extLst>
               <a:ext uri="{FF2B5EF4-FFF2-40B4-BE49-F238E27FC236}">
-                <a16:creationId xmlns:a16="http://schemas.microsoft.com/office/drawing/2014/main" id="{3FD3A17E-2E99-901D-3E57-A97DB6A10C1D}"/>
+                <a16:creationId xmlns:a16="http://schemas.microsoft.com/office/drawing/2014/main" id="{3374353B-6C77-849E-6263-93E6F6520D99}"/>
               </a:ext>
             </a:extLst>
           </p:cNvPr>
@@ -23082,8 +23082,8 @@
         </p:blipFill>
         <p:spPr>
           <a:xfrm>
-            <a:off x="0" y="2726272"/>
-            <a:ext cx="9144000" cy="401053"/>
+            <a:off x="0" y="2767718"/>
+            <a:ext cx="9129395" cy="357201"/>
           </a:xfrm>
           <a:prstGeom prst="rect">
             <a:avLst/>
@@ -32537,37 +32537,7 @@
                           <a:ea typeface="Courier New" charset="0"/>
                           <a:cs typeface="Courier New" charset="0"/>
                         </a:rPr>
-                        <a:t>Predição: </a:t>
-                      </a:r>
-                      <a:r>
-                        <a:rPr kumimoji="0" lang="pt-BR" altLang="x-none" sz="1600" b="0" i="0" u="none" strike="noStrike" cap="none" normalizeH="0" baseline="0">
-                          <a:ln>
-                            <a:noFill/>
-                          </a:ln>
-                          <a:solidFill>
-                            <a:srgbClr val="000000"/>
-                          </a:solidFill>
-                          <a:effectLst/>
-                          <a:latin typeface="Courier New" charset="0"/>
-                          <a:ea typeface="Courier New" charset="0"/>
-                          <a:cs typeface="Courier New" charset="0"/>
-                        </a:rPr>
-                        <a:t>cavalo (99.97% </a:t>
-                      </a:r>
-                      <a:r>
-                        <a:rPr kumimoji="0" lang="pt-BR" altLang="x-none" sz="1600" b="0" i="0" u="none" strike="noStrike" cap="none" normalizeH="0" baseline="0" dirty="0">
-                          <a:ln>
-                            <a:noFill/>
-                          </a:ln>
-                          <a:solidFill>
-                            <a:srgbClr val="000000"/>
-                          </a:solidFill>
-                          <a:effectLst/>
-                          <a:latin typeface="Courier New" charset="0"/>
-                          <a:ea typeface="Courier New" charset="0"/>
-                          <a:cs typeface="Courier New" charset="0"/>
-                        </a:rPr>
-                        <a:t>de confiança)</a:t>
+                        <a:t>Predição: cavalo (99.97% de confiança)</a:t>
                       </a:r>
                     </a:p>
                   </a:txBody>
@@ -34483,7 +34453,25 @@
           <a:p>
             <a:r>
               <a:rPr lang="pt-BR" dirty="0"/>
-              <a:t>Mostre a acurácia no teste.</a:t>
+              <a:t>Mostre a acurácia no teste;</a:t>
+            </a:r>
+          </a:p>
+          <a:p>
+            <a:r>
+              <a:rPr lang="pt-BR" dirty="0"/>
+              <a:t>Carregamento e Pré-processamento de Imagens;</a:t>
+            </a:r>
+          </a:p>
+          <a:p>
+            <a:r>
+              <a:rPr lang="pt-BR" dirty="0"/>
+              <a:t>Carregamento e Predição da Imagem;</a:t>
+            </a:r>
+          </a:p>
+          <a:p>
+            <a:r>
+              <a:rPr lang="pt-BR" dirty="0"/>
+              <a:t>Visualização da Imagem com Predição.</a:t>
             </a:r>
           </a:p>
         </p:txBody>
@@ -35511,7 +35499,12 @@
             <p:ph sz="quarter" idx="1"/>
           </p:nvPr>
         </p:nvSpPr>
-        <p:spPr/>
+        <p:spPr>
+          <a:xfrm>
+            <a:off x="612648" y="1600200"/>
+            <a:ext cx="8153400" cy="5257800"/>
+          </a:xfrm>
+        </p:spPr>
         <p:txBody>
           <a:bodyPr/>
           <a:lstStyle/>
@@ -35586,31 +35579,7 @@
             </a:r>
             <a:r>
               <a:rPr lang="pt-BR" dirty="0"/>
-              <a:t> (</a:t>
-            </a:r>
-            <a:r>
-              <a:rPr lang="pt-BR" dirty="0" err="1"/>
-              <a:t>ex</a:t>
-            </a:r>
-            <a:r>
-              <a:rPr lang="pt-BR" dirty="0"/>
-              <a:t>: Max </a:t>
-            </a:r>
-            <a:r>
-              <a:rPr lang="pt-BR" dirty="0" err="1"/>
-              <a:t>Pooling</a:t>
-            </a:r>
-            <a:r>
-              <a:rPr lang="pt-BR" dirty="0"/>
-              <a:t> e </a:t>
-            </a:r>
-            <a:r>
-              <a:rPr lang="pt-BR" dirty="0" err="1"/>
-              <a:t>dropout</a:t>
-            </a:r>
-            <a:r>
-              <a:rPr lang="pt-BR" dirty="0"/>
-              <a:t>).</a:t>
+              <a:t>.</a:t>
             </a:r>
           </a:p>
           <a:p>
